--- a/Sesión_5/Discretization_Techniques.pptx
+++ b/Sesión_5/Discretization_Techniques.pptx
@@ -5,10 +5,10 @@
     <p:sldMasterId id="2147483778" r:id="rId4"/>
   </p:sldMasterIdLst>
   <p:notesMasterIdLst>
-    <p:notesMasterId r:id="rId16"/>
+    <p:notesMasterId r:id="rId17"/>
   </p:notesMasterIdLst>
   <p:handoutMasterIdLst>
-    <p:handoutMasterId r:id="rId17"/>
+    <p:handoutMasterId r:id="rId18"/>
   </p:handoutMasterIdLst>
   <p:sldIdLst>
     <p:sldId id="256" r:id="rId5"/>
@@ -22,6 +22,7 @@
     <p:sldId id="281" r:id="rId13"/>
     <p:sldId id="284" r:id="rId14"/>
     <p:sldId id="285" r:id="rId15"/>
+    <p:sldId id="286" r:id="rId16"/>
   </p:sldIdLst>
   <p:sldSz cx="9144000" cy="6858000" type="letter"/>
   <p:notesSz cx="6858000" cy="9144000"/>
@@ -136,6 +137,7 @@
             <p14:sldId id="281"/>
             <p14:sldId id="284"/>
             <p14:sldId id="285"/>
+            <p14:sldId id="286"/>
           </p14:sldIdLst>
         </p14:section>
       </p14:sectionLst>
@@ -175,7 +177,7 @@
 <file path=ppt/revisionInfo.xml><?xml version="1.0" encoding="utf-8"?>
 <p1510:revInfo xmlns:a="http://schemas.openxmlformats.org/drawingml/2006/main" xmlns:r="http://schemas.openxmlformats.org/officeDocument/2006/relationships" xmlns:p1510="http://schemas.microsoft.com/office/powerpoint/2015/10/main">
   <p1510:revLst>
-    <p1510:client id="{DC3AD62D-B160-46A0-9C24-95D3C1E2C30D}" v="118" dt="2025-04-10T17:52:47.197"/>
+    <p1510:client id="{DC3AD62D-B160-46A0-9C24-95D3C1E2C30D}" v="165" dt="2025-04-10T19:37:59.709"/>
   </p1510:revLst>
 </p1510:revInfo>
 </file>
@@ -654,7 +656,7 @@
   <pc:docChgLst>
     <pc:chgData name="JHEYSON FABIAN VILLAVISAN BUITRAGO" userId="e5ced5c2-d787-455d-b115-4f08a699b8c8" providerId="ADAL" clId="{DC3AD62D-B160-46A0-9C24-95D3C1E2C30D}"/>
     <pc:docChg chg="undo custSel addSld delSld modSld sldOrd modSection">
-      <pc:chgData name="JHEYSON FABIAN VILLAVISAN BUITRAGO" userId="e5ced5c2-d787-455d-b115-4f08a699b8c8" providerId="ADAL" clId="{DC3AD62D-B160-46A0-9C24-95D3C1E2C30D}" dt="2025-04-10T17:55:01.522" v="1201" actId="20577"/>
+      <pc:chgData name="JHEYSON FABIAN VILLAVISAN BUITRAGO" userId="e5ced5c2-d787-455d-b115-4f08a699b8c8" providerId="ADAL" clId="{DC3AD62D-B160-46A0-9C24-95D3C1E2C30D}" dt="2025-04-10T19:39:07.030" v="1671" actId="20577"/>
       <pc:docMkLst>
         <pc:docMk/>
       </pc:docMkLst>
@@ -1026,7 +1028,7 @@
         </pc:spChg>
       </pc:sldChg>
       <pc:sldChg chg="delSp modSp add mod">
-        <pc:chgData name="JHEYSON FABIAN VILLAVISAN BUITRAGO" userId="e5ced5c2-d787-455d-b115-4f08a699b8c8" providerId="ADAL" clId="{DC3AD62D-B160-46A0-9C24-95D3C1E2C30D}" dt="2025-04-10T17:55:01.522" v="1201" actId="20577"/>
+        <pc:chgData name="JHEYSON FABIAN VILLAVISAN BUITRAGO" userId="e5ced5c2-d787-455d-b115-4f08a699b8c8" providerId="ADAL" clId="{DC3AD62D-B160-46A0-9C24-95D3C1E2C30D}" dt="2025-04-10T19:31:46.403" v="1244" actId="20577"/>
         <pc:sldMkLst>
           <pc:docMk/>
           <pc:sldMk cId="1174193353" sldId="285"/>
@@ -1040,7 +1042,7 @@
           </ac:spMkLst>
         </pc:spChg>
         <pc:spChg chg="mod">
-          <ac:chgData name="JHEYSON FABIAN VILLAVISAN BUITRAGO" userId="e5ced5c2-d787-455d-b115-4f08a699b8c8" providerId="ADAL" clId="{DC3AD62D-B160-46A0-9C24-95D3C1E2C30D}" dt="2025-04-10T17:54:55.739" v="1199" actId="20577"/>
+          <ac:chgData name="JHEYSON FABIAN VILLAVISAN BUITRAGO" userId="e5ced5c2-d787-455d-b115-4f08a699b8c8" providerId="ADAL" clId="{DC3AD62D-B160-46A0-9C24-95D3C1E2C30D}" dt="2025-04-10T19:31:46.403" v="1244" actId="20577"/>
           <ac:spMkLst>
             <pc:docMk/>
             <pc:sldMk cId="1174193353" sldId="285"/>
@@ -1070,6 +1072,29 @@
           <pc:docMk/>
           <pc:sldMk cId="2853353455" sldId="285"/>
         </pc:sldMkLst>
+      </pc:sldChg>
+      <pc:sldChg chg="modSp add mod">
+        <pc:chgData name="JHEYSON FABIAN VILLAVISAN BUITRAGO" userId="e5ced5c2-d787-455d-b115-4f08a699b8c8" providerId="ADAL" clId="{DC3AD62D-B160-46A0-9C24-95D3C1E2C30D}" dt="2025-04-10T19:39:07.030" v="1671" actId="20577"/>
+        <pc:sldMkLst>
+          <pc:docMk/>
+          <pc:sldMk cId="394872494" sldId="286"/>
+        </pc:sldMkLst>
+        <pc:spChg chg="mod">
+          <ac:chgData name="JHEYSON FABIAN VILLAVISAN BUITRAGO" userId="e5ced5c2-d787-455d-b115-4f08a699b8c8" providerId="ADAL" clId="{DC3AD62D-B160-46A0-9C24-95D3C1E2C30D}" dt="2025-04-10T19:39:07.030" v="1671" actId="20577"/>
+          <ac:spMkLst>
+            <pc:docMk/>
+            <pc:sldMk cId="394872494" sldId="286"/>
+            <ac:spMk id="4" creationId="{69FF31A9-ABE3-6FFF-682C-CA9BA21E1090}"/>
+          </ac:spMkLst>
+        </pc:spChg>
+        <pc:spChg chg="mod">
+          <ac:chgData name="JHEYSON FABIAN VILLAVISAN BUITRAGO" userId="e5ced5c2-d787-455d-b115-4f08a699b8c8" providerId="ADAL" clId="{DC3AD62D-B160-46A0-9C24-95D3C1E2C30D}" dt="2025-04-10T19:38:59.032" v="1663" actId="20577"/>
+          <ac:spMkLst>
+            <pc:docMk/>
+            <pc:sldMk cId="394872494" sldId="286"/>
+            <ac:spMk id="10" creationId="{5E88BEAB-043F-4CDC-90B5-55A0ABE9B706}"/>
+          </ac:spMkLst>
+        </pc:spChg>
       </pc:sldChg>
       <pc:sldChg chg="del">
         <pc:chgData name="JHEYSON FABIAN VILLAVISAN BUITRAGO" userId="e5ced5c2-d787-455d-b115-4f08a699b8c8" providerId="ADAL" clId="{DC3AD62D-B160-46A0-9C24-95D3C1E2C30D}" dt="2025-04-10T17:21:52.850" v="5" actId="47"/>
@@ -9228,8 +9253,8 @@
           </a:p>
         </p:txBody>
       </p:sp>
-      <mc:AlternateContent xmlns:mc="http://schemas.openxmlformats.org/markup-compatibility/2006">
-        <mc:Choice xmlns:a14="http://schemas.microsoft.com/office/drawing/2010/main" Requires="a14">
+      <mc:AlternateContent xmlns:mc="http://schemas.openxmlformats.org/markup-compatibility/2006" xmlns:a14="http://schemas.microsoft.com/office/drawing/2010/main">
+        <mc:Choice Requires="a14">
           <p:sp>
             <p:nvSpPr>
               <p:cNvPr id="3" name="CuadroTexto 2">
@@ -9445,7 +9470,7 @@
             </p:txBody>
           </p:sp>
         </mc:Choice>
-        <mc:Fallback>
+        <mc:Fallback xmlns="">
           <p:sp>
             <p:nvSpPr>
               <p:cNvPr id="3" name="CuadroTexto 2">
@@ -9490,8 +9515,8 @@
           </p:sp>
         </mc:Fallback>
       </mc:AlternateContent>
-      <mc:AlternateContent xmlns:mc="http://schemas.openxmlformats.org/markup-compatibility/2006">
-        <mc:Choice xmlns:a14="http://schemas.microsoft.com/office/drawing/2010/main" Requires="a14">
+      <mc:AlternateContent xmlns:mc="http://schemas.openxmlformats.org/markup-compatibility/2006" xmlns:a14="http://schemas.microsoft.com/office/drawing/2010/main">
+        <mc:Choice Requires="a14">
           <p:sp>
             <p:nvSpPr>
               <p:cNvPr id="6" name="CuadroTexto 5">
@@ -9603,7 +9628,7 @@
             </p:txBody>
           </p:sp>
         </mc:Choice>
-        <mc:Fallback>
+        <mc:Fallback xmlns="">
           <p:sp>
             <p:nvSpPr>
               <p:cNvPr id="6" name="CuadroTexto 5">
@@ -9736,6 +9761,15 @@
               <a:rPr lang="es-CO" sz="2400" dirty="0">
                 <a:latin typeface="Söhne"/>
               </a:rPr>
+              <a:t>Grafique los polos y ceros y grafique.</a:t>
+            </a:r>
+          </a:p>
+          <a:p>
+            <a:pPr algn="just"/>
+            <a:r>
+              <a:rPr lang="es-CO" sz="2400" dirty="0">
+                <a:latin typeface="Söhne"/>
+              </a:rPr>
               <a:t>Concluya.</a:t>
             </a:r>
           </a:p>
@@ -10258,6 +10292,929 @@
     <p:extLst>
       <p:ext uri="{BB962C8B-B14F-4D97-AF65-F5344CB8AC3E}">
         <p14:creationId xmlns:p14="http://schemas.microsoft.com/office/powerpoint/2010/main" val="1174193353"/>
+      </p:ext>
+    </p:extLst>
+  </p:cSld>
+  <p:clrMapOvr>
+    <a:masterClrMapping/>
+  </p:clrMapOvr>
+</p:sld>
+</file>
+
+<file path=ppt/slides/slide12.xml><?xml version="1.0" encoding="utf-8"?>
+<p:sld xmlns:a="http://schemas.openxmlformats.org/drawingml/2006/main" xmlns:r="http://schemas.openxmlformats.org/officeDocument/2006/relationships" xmlns:p="http://schemas.openxmlformats.org/presentationml/2006/main">
+  <p:cSld>
+    <p:spTree>
+      <p:nvGrpSpPr>
+        <p:cNvPr id="1" name="">
+          <a:extLst>
+            <a:ext uri="{FF2B5EF4-FFF2-40B4-BE49-F238E27FC236}">
+              <a16:creationId xmlns:a16="http://schemas.microsoft.com/office/drawing/2014/main" id="{BCE6665F-1262-B613-EC6F-D943834E075B}"/>
+            </a:ext>
+          </a:extLst>
+        </p:cNvPr>
+        <p:cNvGrpSpPr/>
+        <p:nvPr/>
+      </p:nvGrpSpPr>
+      <p:grpSpPr>
+        <a:xfrm>
+          <a:off x="0" y="0"/>
+          <a:ext cx="0" cy="0"/>
+          <a:chOff x="0" y="0"/>
+          <a:chExt cx="0" cy="0"/>
+        </a:xfrm>
+      </p:grpSpPr>
+      <mc:AlternateContent xmlns:mc="http://schemas.openxmlformats.org/markup-compatibility/2006">
+        <mc:Choice xmlns:a14="http://schemas.microsoft.com/office/drawing/2010/main" Requires="a14">
+          <p:sp>
+            <p:nvSpPr>
+              <p:cNvPr id="4" name="Marcador de texto 3">
+                <a:extLst>
+                  <a:ext uri="{FF2B5EF4-FFF2-40B4-BE49-F238E27FC236}">
+                    <a16:creationId xmlns:a16="http://schemas.microsoft.com/office/drawing/2014/main" id="{69FF31A9-ABE3-6FFF-682C-CA9BA21E1090}"/>
+                  </a:ext>
+                </a:extLst>
+              </p:cNvPr>
+              <p:cNvSpPr>
+                <a:spLocks noGrp="1"/>
+              </p:cNvSpPr>
+              <p:nvPr>
+                <p:ph type="body" sz="half" idx="2"/>
+              </p:nvPr>
+            </p:nvSpPr>
+            <p:spPr>
+              <a:xfrm>
+                <a:off x="1032565" y="2288364"/>
+                <a:ext cx="7576605" cy="3720550"/>
+              </a:xfrm>
+            </p:spPr>
+            <p:txBody>
+              <a:bodyPr>
+                <a:normAutofit fontScale="92500" lnSpcReduction="20000"/>
+              </a:bodyPr>
+              <a:lstStyle/>
+              <a:p>
+                <a:pPr algn="just"/>
+                <a:r>
+                  <a:rPr lang="es-CO" sz="2400" b="0" i="0">
+                    <a:effectLst/>
+                    <a:latin typeface="Söhne"/>
+                  </a:rPr>
+                  <a:t>TALLER</a:t>
+                </a:r>
+                <a:r>
+                  <a:rPr lang="es-CO" sz="2400">
+                    <a:latin typeface="Söhne"/>
+                  </a:rPr>
+                  <a:t>!!</a:t>
+                </a:r>
+                <a:endParaRPr lang="es-CO" sz="2400" b="0" i="0" dirty="0">
+                  <a:effectLst/>
+                  <a:latin typeface="Söhne"/>
+                </a:endParaRPr>
+              </a:p>
+              <a:p>
+                <a:pPr algn="just"/>
+                <a:r>
+                  <a:rPr lang="es-CO" sz="2400" dirty="0">
+                    <a:latin typeface="Söhne"/>
+                  </a:rPr>
+                  <a:t>Para las siguientes funciones de transferencia:</a:t>
+                </a:r>
+              </a:p>
+              <a:p>
+                <a:pPr algn="just"/>
+                <a:endParaRPr lang="es-CO" sz="2400" dirty="0">
+                  <a:latin typeface="Söhne"/>
+                </a:endParaRPr>
+              </a:p>
+              <a:p>
+                <a:pPr algn="ctr"/>
+                <a14:m>
+                  <m:oMath xmlns:m="http://schemas.openxmlformats.org/officeDocument/2006/math">
+                    <m:r>
+                      <a:rPr lang="es-CO" sz="2400" b="0" i="1" smtClean="0">
+                        <a:latin typeface="Cambria Math" panose="02040503050406030204" pitchFamily="18" charset="0"/>
+                      </a:rPr>
+                      <m:t>𝐻</m:t>
+                    </m:r>
+                    <m:d>
+                      <m:dPr>
+                        <m:ctrlPr>
+                          <a:rPr lang="es-CO" sz="2400" b="0" i="1" smtClean="0">
+                            <a:latin typeface="Cambria Math" panose="02040503050406030204" pitchFamily="18" charset="0"/>
+                          </a:rPr>
+                        </m:ctrlPr>
+                      </m:dPr>
+                      <m:e>
+                        <m:r>
+                          <a:rPr lang="es-CO" sz="2400" b="0" i="1" smtClean="0">
+                            <a:latin typeface="Cambria Math" panose="02040503050406030204" pitchFamily="18" charset="0"/>
+                          </a:rPr>
+                          <m:t>𝑠</m:t>
+                        </m:r>
+                      </m:e>
+                    </m:d>
+                    <m:r>
+                      <a:rPr lang="es-CO" sz="2400" b="0" i="1" smtClean="0">
+                        <a:latin typeface="Cambria Math" panose="02040503050406030204" pitchFamily="18" charset="0"/>
+                      </a:rPr>
+                      <m:t>=</m:t>
+                    </m:r>
+                    <m:f>
+                      <m:fPr>
+                        <m:ctrlPr>
+                          <a:rPr lang="es-CO" sz="2400" b="0" i="1" smtClean="0">
+                            <a:latin typeface="Cambria Math" panose="02040503050406030204" pitchFamily="18" charset="0"/>
+                          </a:rPr>
+                        </m:ctrlPr>
+                      </m:fPr>
+                      <m:num>
+                        <m:r>
+                          <a:rPr lang="es-CO" sz="2400" b="0" i="1" smtClean="0">
+                            <a:latin typeface="Cambria Math" panose="02040503050406030204" pitchFamily="18" charset="0"/>
+                          </a:rPr>
+                          <m:t>𝑠</m:t>
+                        </m:r>
+                        <m:r>
+                          <a:rPr lang="es-CO" sz="2400" b="0" i="1" smtClean="0">
+                            <a:latin typeface="Cambria Math" panose="02040503050406030204" pitchFamily="18" charset="0"/>
+                          </a:rPr>
+                          <m:t>+1</m:t>
+                        </m:r>
+                      </m:num>
+                      <m:den>
+                        <m:r>
+                          <a:rPr lang="es-CO" sz="2400" b="0" i="1" smtClean="0">
+                            <a:latin typeface="Cambria Math" panose="02040503050406030204" pitchFamily="18" charset="0"/>
+                          </a:rPr>
+                          <m:t>0,1</m:t>
+                        </m:r>
+                        <m:r>
+                          <a:rPr lang="es-CO" sz="2400" b="0" i="1" smtClean="0">
+                            <a:latin typeface="Cambria Math" panose="02040503050406030204" pitchFamily="18" charset="0"/>
+                          </a:rPr>
+                          <m:t>𝑠</m:t>
+                        </m:r>
+                        <m:r>
+                          <a:rPr lang="es-CO" sz="2400" b="0" i="1" smtClean="0">
+                            <a:latin typeface="Cambria Math" panose="02040503050406030204" pitchFamily="18" charset="0"/>
+                          </a:rPr>
+                          <m:t>+1</m:t>
+                        </m:r>
+                      </m:den>
+                    </m:f>
+                  </m:oMath>
+                </a14:m>
+                <a:r>
+                  <a:rPr lang="es-CO" sz="2400" b="0" dirty="0">
+                    <a:latin typeface="Söhne"/>
+                  </a:rPr>
+                  <a:t>  </a:t>
+                </a:r>
+                <a14:m>
+                  <m:oMath xmlns:m="http://schemas.openxmlformats.org/officeDocument/2006/math">
+                    <m:r>
+                      <a:rPr lang="es-CO" sz="2400" b="0" i="1" dirty="0" smtClean="0">
+                        <a:latin typeface="Cambria Math" panose="02040503050406030204" pitchFamily="18" charset="0"/>
+                      </a:rPr>
+                      <m:t>𝐻</m:t>
+                    </m:r>
+                    <m:d>
+                      <m:dPr>
+                        <m:ctrlPr>
+                          <a:rPr lang="es-CO" sz="2400" b="0" i="1" dirty="0" smtClean="0">
+                            <a:latin typeface="Cambria Math" panose="02040503050406030204" pitchFamily="18" charset="0"/>
+                          </a:rPr>
+                        </m:ctrlPr>
+                      </m:dPr>
+                      <m:e>
+                        <m:r>
+                          <a:rPr lang="es-CO" sz="2400" b="0" i="1" dirty="0" smtClean="0">
+                            <a:latin typeface="Cambria Math" panose="02040503050406030204" pitchFamily="18" charset="0"/>
+                          </a:rPr>
+                          <m:t>𝑠</m:t>
+                        </m:r>
+                      </m:e>
+                    </m:d>
+                    <m:r>
+                      <a:rPr lang="es-CO" sz="2400" b="0" i="1" dirty="0" smtClean="0">
+                        <a:latin typeface="Cambria Math" panose="02040503050406030204" pitchFamily="18" charset="0"/>
+                      </a:rPr>
+                      <m:t>=10</m:t>
+                    </m:r>
+                    <m:f>
+                      <m:fPr>
+                        <m:ctrlPr>
+                          <a:rPr lang="es-CO" sz="2400" b="0" i="1" dirty="0" smtClean="0">
+                            <a:latin typeface="Cambria Math" panose="02040503050406030204" pitchFamily="18" charset="0"/>
+                          </a:rPr>
+                        </m:ctrlPr>
+                      </m:fPr>
+                      <m:num>
+                        <m:r>
+                          <a:rPr lang="es-CO" sz="2400" b="0" i="1" dirty="0" smtClean="0">
+                            <a:latin typeface="Cambria Math" panose="02040503050406030204" pitchFamily="18" charset="0"/>
+                          </a:rPr>
+                          <m:t>10</m:t>
+                        </m:r>
+                        <m:r>
+                          <a:rPr lang="es-CO" sz="2400" b="0" i="1" dirty="0" smtClean="0">
+                            <a:latin typeface="Cambria Math" panose="02040503050406030204" pitchFamily="18" charset="0"/>
+                          </a:rPr>
+                          <m:t>𝑠</m:t>
+                        </m:r>
+                        <m:r>
+                          <a:rPr lang="es-CO" sz="2400" b="0" i="1" dirty="0" smtClean="0">
+                            <a:latin typeface="Cambria Math" panose="02040503050406030204" pitchFamily="18" charset="0"/>
+                          </a:rPr>
+                          <m:t>+1</m:t>
+                        </m:r>
+                      </m:num>
+                      <m:den>
+                        <m:r>
+                          <a:rPr lang="es-CO" sz="2400" b="0" i="1" dirty="0" smtClean="0">
+                            <a:latin typeface="Cambria Math" panose="02040503050406030204" pitchFamily="18" charset="0"/>
+                          </a:rPr>
+                          <m:t>100</m:t>
+                        </m:r>
+                        <m:r>
+                          <a:rPr lang="es-CO" sz="2400" b="0" i="1" dirty="0" smtClean="0">
+                            <a:latin typeface="Cambria Math" panose="02040503050406030204" pitchFamily="18" charset="0"/>
+                          </a:rPr>
+                          <m:t>𝑠</m:t>
+                        </m:r>
+                        <m:r>
+                          <a:rPr lang="es-CO" sz="2400" b="0" i="1" dirty="0" smtClean="0">
+                            <a:latin typeface="Cambria Math" panose="02040503050406030204" pitchFamily="18" charset="0"/>
+                          </a:rPr>
+                          <m:t>+1</m:t>
+                        </m:r>
+                      </m:den>
+                    </m:f>
+                  </m:oMath>
+                </a14:m>
+                <a:endParaRPr lang="es-CO" sz="2400" b="0" dirty="0">
+                  <a:latin typeface="Söhne"/>
+                </a:endParaRPr>
+              </a:p>
+              <a:p>
+                <a:pPr algn="just"/>
+                <a:r>
+                  <a:rPr lang="es-CO" sz="2400" dirty="0">
+                    <a:latin typeface="Söhne"/>
+                  </a:rPr>
+                  <a:t>Calcule y grafique los polos y ceros para los equivalentes discretos mediante:</a:t>
+                </a:r>
+              </a:p>
+              <a:p>
+                <a:pPr marL="342900" indent="-342900" algn="just">
+                  <a:buFontTx/>
+                  <a:buChar char="-"/>
+                </a:pPr>
+                <a:r>
+                  <a:rPr lang="es-CO" sz="2400" dirty="0">
+                    <a:latin typeface="Söhne"/>
+                  </a:rPr>
+                  <a:t>Forward rectangular rule</a:t>
+                </a:r>
+              </a:p>
+              <a:p>
+                <a:pPr marL="342900" indent="-342900" algn="just">
+                  <a:buFontTx/>
+                  <a:buChar char="-"/>
+                </a:pPr>
+                <a:r>
+                  <a:rPr lang="es-CO" sz="2400" dirty="0" err="1">
+                    <a:latin typeface="Söhne"/>
+                  </a:rPr>
+                  <a:t>Backward</a:t>
+                </a:r>
+                <a:r>
+                  <a:rPr lang="es-CO" sz="2400" dirty="0">
+                    <a:latin typeface="Söhne"/>
+                  </a:rPr>
+                  <a:t> rectangular rule</a:t>
+                </a:r>
+              </a:p>
+              <a:p>
+                <a:pPr marL="342900" indent="-342900" algn="just">
+                  <a:buFontTx/>
+                  <a:buChar char="-"/>
+                </a:pPr>
+                <a:r>
+                  <a:rPr lang="es-CO" sz="2400" dirty="0" err="1">
+                    <a:latin typeface="Söhne"/>
+                  </a:rPr>
+                  <a:t>Bilinear</a:t>
+                </a:r>
+                <a:r>
+                  <a:rPr lang="es-CO" sz="2400" dirty="0">
+                    <a:latin typeface="Söhne"/>
+                  </a:rPr>
+                  <a:t> rule</a:t>
+                </a:r>
+              </a:p>
+              <a:p>
+                <a:pPr marL="342900" indent="-342900" algn="just">
+                  <a:buFontTx/>
+                  <a:buChar char="-"/>
+                </a:pPr>
+                <a:r>
+                  <a:rPr lang="es-CO" sz="2400" dirty="0">
+                    <a:latin typeface="Söhne"/>
+                  </a:rPr>
+                  <a:t>Zero-</a:t>
+                </a:r>
+                <a:r>
+                  <a:rPr lang="es-CO" sz="2400" dirty="0" err="1">
+                    <a:latin typeface="Söhne"/>
+                  </a:rPr>
+                  <a:t>order</a:t>
+                </a:r>
+                <a:r>
+                  <a:rPr lang="es-CO" sz="2400" dirty="0">
+                    <a:latin typeface="Söhne"/>
+                  </a:rPr>
+                  <a:t>-</a:t>
+                </a:r>
+                <a:r>
+                  <a:rPr lang="es-CO" sz="2400" dirty="0" err="1">
+                    <a:latin typeface="Söhne"/>
+                  </a:rPr>
+                  <a:t>holder</a:t>
+                </a:r>
+                <a:endParaRPr lang="es-CO" sz="2400" dirty="0">
+                  <a:latin typeface="Söhne"/>
+                </a:endParaRPr>
+              </a:p>
+              <a:p>
+                <a:pPr algn="just"/>
+                <a:r>
+                  <a:rPr lang="es-CO" sz="2400" dirty="0">
+                    <a:latin typeface="Söhne"/>
+                  </a:rPr>
+                  <a:t>Compare y concluya.</a:t>
+                </a:r>
+              </a:p>
+              <a:p>
+                <a:pPr algn="just"/>
+                <a:endParaRPr lang="es-CO" sz="2400" dirty="0">
+                  <a:latin typeface="Söhne"/>
+                </a:endParaRPr>
+              </a:p>
+              <a:p>
+                <a:pPr algn="just"/>
+                <a:endParaRPr lang="es-CO" sz="2400" dirty="0">
+                  <a:latin typeface="Söhne"/>
+                </a:endParaRPr>
+              </a:p>
+              <a:p>
+                <a:pPr algn="just"/>
+                <a:endParaRPr lang="es-CO" sz="2400" dirty="0">
+                  <a:latin typeface="Söhne"/>
+                </a:endParaRPr>
+              </a:p>
+              <a:p>
+                <a:pPr algn="just"/>
+                <a:endParaRPr lang="es-ES" sz="2400" dirty="0">
+                  <a:latin typeface="Söhne"/>
+                </a:endParaRPr>
+              </a:p>
+              <a:p>
+                <a:pPr algn="just"/>
+                <a:endParaRPr lang="es-ES" sz="2400" dirty="0">
+                  <a:latin typeface="Söhne"/>
+                </a:endParaRPr>
+              </a:p>
+              <a:p>
+                <a:pPr algn="just"/>
+                <a:endParaRPr lang="es-CO" sz="1600" b="0" dirty="0"/>
+              </a:p>
+            </p:txBody>
+          </p:sp>
+        </mc:Choice>
+        <mc:Fallback>
+          <p:sp>
+            <p:nvSpPr>
+              <p:cNvPr id="4" name="Marcador de texto 3">
+                <a:extLst>
+                  <a:ext uri="{FF2B5EF4-FFF2-40B4-BE49-F238E27FC236}">
+                    <a16:creationId xmlns:a16="http://schemas.microsoft.com/office/drawing/2014/main" id="{69FF31A9-ABE3-6FFF-682C-CA9BA21E1090}"/>
+                  </a:ext>
+                </a:extLst>
+              </p:cNvPr>
+              <p:cNvSpPr>
+                <a:spLocks noGrp="1" noRot="1" noChangeAspect="1" noMove="1" noResize="1" noEditPoints="1" noAdjustHandles="1" noChangeArrowheads="1" noChangeShapeType="1" noTextEdit="1"/>
+              </p:cNvSpPr>
+              <p:nvPr>
+                <p:ph type="body" sz="half" idx="2"/>
+              </p:nvPr>
+            </p:nvSpPr>
+            <p:spPr>
+              <a:xfrm>
+                <a:off x="1032565" y="2288364"/>
+                <a:ext cx="7576605" cy="3720550"/>
+              </a:xfrm>
+              <a:blipFill>
+                <a:blip r:embed="rId2"/>
+                <a:stretch>
+                  <a:fillRect l="-1046" t="-3273" r="-1046" b="-3273"/>
+                </a:stretch>
+              </a:blipFill>
+            </p:spPr>
+            <p:txBody>
+              <a:bodyPr/>
+              <a:lstStyle/>
+              <a:p>
+                <a:r>
+                  <a:rPr lang="es-CO">
+                    <a:noFill/>
+                  </a:rPr>
+                  <a:t> </a:t>
+                </a:r>
+              </a:p>
+            </p:txBody>
+          </p:sp>
+        </mc:Fallback>
+      </mc:AlternateContent>
+      <p:sp>
+        <p:nvSpPr>
+          <p:cNvPr id="10" name="1 Título">
+            <a:extLst>
+              <a:ext uri="{FF2B5EF4-FFF2-40B4-BE49-F238E27FC236}">
+                <a16:creationId xmlns:a16="http://schemas.microsoft.com/office/drawing/2014/main" id="{5E88BEAB-043F-4CDC-90B5-55A0ABE9B706}"/>
+              </a:ext>
+            </a:extLst>
+          </p:cNvPr>
+          <p:cNvSpPr txBox="1">
+            <a:spLocks/>
+          </p:cNvSpPr>
+          <p:nvPr/>
+        </p:nvSpPr>
+        <p:spPr bwMode="auto">
+          <a:xfrm>
+            <a:off x="0" y="-28575"/>
+            <a:ext cx="779463" cy="720725"/>
+          </a:xfrm>
+          <a:prstGeom prst="rect">
+            <a:avLst/>
+          </a:prstGeom>
+          <a:noFill/>
+          <a:ln>
+            <a:noFill/>
+          </a:ln>
+          <a:extLst>
+            <a:ext uri="{909E8E84-426E-40DD-AFC4-6F175D3DCCD1}">
+              <a14:hiddenFill xmlns:a14="http://schemas.microsoft.com/office/drawing/2010/main">
+                <a:solidFill>
+                  <a:srgbClr val="FFFFFF"/>
+                </a:solidFill>
+              </a14:hiddenFill>
+            </a:ext>
+            <a:ext uri="{91240B29-F687-4F45-9708-019B960494DF}">
+              <a14:hiddenLine xmlns:a14="http://schemas.microsoft.com/office/drawing/2010/main" w="9525">
+                <a:solidFill>
+                  <a:srgbClr val="000000"/>
+                </a:solidFill>
+                <a:miter lim="800000"/>
+                <a:headEnd/>
+                <a:tailEnd/>
+              </a14:hiddenLine>
+            </a:ext>
+          </a:extLst>
+        </p:spPr>
+        <p:txBody>
+          <a:bodyPr vert="horz" wrap="square" lIns="91440" tIns="45720" rIns="91440" bIns="45720" numCol="1" anchor="b" anchorCtr="0" compatLnSpc="1">
+            <a:prstTxWarp prst="textNoShape">
+              <a:avLst/>
+            </a:prstTxWarp>
+          </a:bodyPr>
+          <a:lstStyle>
+            <a:lvl1pPr algn="l" rtl="0" eaLnBrk="0" fontAlgn="base" hangingPunct="0">
+              <a:spcBef>
+                <a:spcPct val="0"/>
+              </a:spcBef>
+              <a:spcAft>
+                <a:spcPct val="0"/>
+              </a:spcAft>
+              <a:defRPr sz="2000" b="1" kern="1200">
+                <a:solidFill>
+                  <a:schemeClr val="tx1"/>
+                </a:solidFill>
+                <a:latin typeface="Arial" pitchFamily="34" charset="0"/>
+                <a:ea typeface="+mj-ea"/>
+                <a:cs typeface="Arial" pitchFamily="34" charset="0"/>
+              </a:defRPr>
+            </a:lvl1pPr>
+            <a:lvl2pPr algn="l" rtl="0" eaLnBrk="0" fontAlgn="base" hangingPunct="0">
+              <a:spcBef>
+                <a:spcPct val="0"/>
+              </a:spcBef>
+              <a:spcAft>
+                <a:spcPct val="0"/>
+              </a:spcAft>
+              <a:defRPr sz="4400">
+                <a:solidFill>
+                  <a:schemeClr val="tx1"/>
+                </a:solidFill>
+                <a:latin typeface="Arial" charset="0"/>
+                <a:cs typeface="Arial" charset="0"/>
+              </a:defRPr>
+            </a:lvl2pPr>
+            <a:lvl3pPr algn="l" rtl="0" eaLnBrk="0" fontAlgn="base" hangingPunct="0">
+              <a:spcBef>
+                <a:spcPct val="0"/>
+              </a:spcBef>
+              <a:spcAft>
+                <a:spcPct val="0"/>
+              </a:spcAft>
+              <a:defRPr sz="4400">
+                <a:solidFill>
+                  <a:schemeClr val="tx1"/>
+                </a:solidFill>
+                <a:latin typeface="Arial" charset="0"/>
+                <a:cs typeface="Arial" charset="0"/>
+              </a:defRPr>
+            </a:lvl3pPr>
+            <a:lvl4pPr algn="l" rtl="0" eaLnBrk="0" fontAlgn="base" hangingPunct="0">
+              <a:spcBef>
+                <a:spcPct val="0"/>
+              </a:spcBef>
+              <a:spcAft>
+                <a:spcPct val="0"/>
+              </a:spcAft>
+              <a:defRPr sz="4400">
+                <a:solidFill>
+                  <a:schemeClr val="tx1"/>
+                </a:solidFill>
+                <a:latin typeface="Arial" charset="0"/>
+                <a:cs typeface="Arial" charset="0"/>
+              </a:defRPr>
+            </a:lvl4pPr>
+            <a:lvl5pPr algn="l" rtl="0" eaLnBrk="0" fontAlgn="base" hangingPunct="0">
+              <a:spcBef>
+                <a:spcPct val="0"/>
+              </a:spcBef>
+              <a:spcAft>
+                <a:spcPct val="0"/>
+              </a:spcAft>
+              <a:defRPr sz="4400">
+                <a:solidFill>
+                  <a:schemeClr val="tx1"/>
+                </a:solidFill>
+                <a:latin typeface="Arial" charset="0"/>
+                <a:cs typeface="Arial" charset="0"/>
+              </a:defRPr>
+            </a:lvl5pPr>
+            <a:lvl6pPr marL="457200" algn="l" rtl="0" fontAlgn="base">
+              <a:spcBef>
+                <a:spcPct val="0"/>
+              </a:spcBef>
+              <a:spcAft>
+                <a:spcPct val="0"/>
+              </a:spcAft>
+              <a:defRPr sz="4400">
+                <a:solidFill>
+                  <a:schemeClr val="tx1"/>
+                </a:solidFill>
+                <a:latin typeface="Arial" charset="0"/>
+                <a:cs typeface="Arial" charset="0"/>
+              </a:defRPr>
+            </a:lvl6pPr>
+            <a:lvl7pPr marL="914400" algn="l" rtl="0" fontAlgn="base">
+              <a:spcBef>
+                <a:spcPct val="0"/>
+              </a:spcBef>
+              <a:spcAft>
+                <a:spcPct val="0"/>
+              </a:spcAft>
+              <a:defRPr sz="4400">
+                <a:solidFill>
+                  <a:schemeClr val="tx1"/>
+                </a:solidFill>
+                <a:latin typeface="Arial" charset="0"/>
+                <a:cs typeface="Arial" charset="0"/>
+              </a:defRPr>
+            </a:lvl7pPr>
+            <a:lvl8pPr marL="1371600" algn="l" rtl="0" fontAlgn="base">
+              <a:spcBef>
+                <a:spcPct val="0"/>
+              </a:spcBef>
+              <a:spcAft>
+                <a:spcPct val="0"/>
+              </a:spcAft>
+              <a:defRPr sz="4400">
+                <a:solidFill>
+                  <a:schemeClr val="tx1"/>
+                </a:solidFill>
+                <a:latin typeface="Arial" charset="0"/>
+                <a:cs typeface="Arial" charset="0"/>
+              </a:defRPr>
+            </a:lvl8pPr>
+            <a:lvl9pPr marL="1828800" algn="l" rtl="0" fontAlgn="base">
+              <a:spcBef>
+                <a:spcPct val="0"/>
+              </a:spcBef>
+              <a:spcAft>
+                <a:spcPct val="0"/>
+              </a:spcAft>
+              <a:defRPr sz="4400">
+                <a:solidFill>
+                  <a:schemeClr val="tx1"/>
+                </a:solidFill>
+                <a:latin typeface="Arial" charset="0"/>
+                <a:cs typeface="Arial" charset="0"/>
+              </a:defRPr>
+            </a:lvl9pPr>
+          </a:lstStyle>
+          <a:p>
+            <a:pPr algn="ctr" eaLnBrk="1" hangingPunct="1"/>
+            <a:r>
+              <a:rPr lang="es-CO" altLang="es-CO" sz="3600" b="0" dirty="0"/>
+              <a:t>12</a:t>
+            </a:r>
+          </a:p>
+        </p:txBody>
+      </p:sp>
+      <p:pic>
+        <p:nvPicPr>
+          <p:cNvPr id="14" name="Picture 4" descr="Programas - Intranet ETITC">
+            <a:extLst>
+              <a:ext uri="{FF2B5EF4-FFF2-40B4-BE49-F238E27FC236}">
+                <a16:creationId xmlns:a16="http://schemas.microsoft.com/office/drawing/2014/main" id="{675590ED-FAD2-BDE8-57D1-389EEA797239}"/>
+              </a:ext>
+            </a:extLst>
+          </p:cNvPr>
+          <p:cNvPicPr>
+            <a:picLocks noChangeAspect="1" noChangeArrowheads="1"/>
+          </p:cNvPicPr>
+          <p:nvPr/>
+        </p:nvPicPr>
+        <p:blipFill>
+          <a:blip r:embed="rId3">
+            <a:extLst>
+              <a:ext uri="{28A0092B-C50C-407E-A947-70E740481C1C}">
+                <a14:useLocalDpi xmlns:a14="http://schemas.microsoft.com/office/drawing/2010/main" val="0"/>
+              </a:ext>
+            </a:extLst>
+          </a:blip>
+          <a:srcRect/>
+          <a:stretch>
+            <a:fillRect/>
+          </a:stretch>
+        </p:blipFill>
+        <p:spPr bwMode="auto">
+          <a:xfrm>
+            <a:off x="795338" y="44758"/>
+            <a:ext cx="2483768" cy="794720"/>
+          </a:xfrm>
+          <a:prstGeom prst="rect">
+            <a:avLst/>
+          </a:prstGeom>
+          <a:noFill/>
+          <a:extLst>
+            <a:ext uri="{909E8E84-426E-40DD-AFC4-6F175D3DCCD1}">
+              <a14:hiddenFill xmlns:a14="http://schemas.microsoft.com/office/drawing/2010/main">
+                <a:solidFill>
+                  <a:srgbClr val="FFFFFF"/>
+                </a:solidFill>
+              </a14:hiddenFill>
+            </a:ext>
+          </a:extLst>
+        </p:spPr>
+      </p:pic>
+      <p:sp>
+        <p:nvSpPr>
+          <p:cNvPr id="5" name="2 Subtítulo">
+            <a:extLst>
+              <a:ext uri="{FF2B5EF4-FFF2-40B4-BE49-F238E27FC236}">
+                <a16:creationId xmlns:a16="http://schemas.microsoft.com/office/drawing/2014/main" id="{E58F94AB-2840-A4DB-49FD-E2182DEE6001}"/>
+              </a:ext>
+            </a:extLst>
+          </p:cNvPr>
+          <p:cNvSpPr txBox="1">
+            <a:spLocks/>
+          </p:cNvSpPr>
+          <p:nvPr/>
+        </p:nvSpPr>
+        <p:spPr bwMode="auto">
+          <a:xfrm>
+            <a:off x="2267744" y="259824"/>
+            <a:ext cx="6400800" cy="500063"/>
+          </a:xfrm>
+          <a:prstGeom prst="rect">
+            <a:avLst/>
+          </a:prstGeom>
+          <a:noFill/>
+          <a:ln>
+            <a:noFill/>
+          </a:ln>
+          <a:extLst>
+            <a:ext uri="{909E8E84-426E-40DD-AFC4-6F175D3DCCD1}">
+              <a14:hiddenFill xmlns:a14="http://schemas.microsoft.com/office/drawing/2010/main">
+                <a:solidFill>
+                  <a:srgbClr val="FFFFFF"/>
+                </a:solidFill>
+              </a14:hiddenFill>
+            </a:ext>
+            <a:ext uri="{91240B29-F687-4F45-9708-019B960494DF}">
+              <a14:hiddenLine xmlns:a14="http://schemas.microsoft.com/office/drawing/2010/main" w="9525">
+                <a:solidFill>
+                  <a:srgbClr val="000000"/>
+                </a:solidFill>
+                <a:miter lim="800000"/>
+                <a:headEnd/>
+                <a:tailEnd/>
+              </a14:hiddenLine>
+            </a:ext>
+          </a:extLst>
+        </p:spPr>
+        <p:txBody>
+          <a:bodyPr vert="horz" wrap="square" lIns="91440" tIns="45720" rIns="91440" bIns="45720" numCol="1" rtlCol="0" anchor="t" anchorCtr="0" compatLnSpc="1">
+            <a:prstTxWarp prst="textNoShape">
+              <a:avLst/>
+            </a:prstTxWarp>
+            <a:noAutofit/>
+          </a:bodyPr>
+          <a:lstStyle>
+            <a:lvl1pPr marL="342900" indent="-342900" algn="l" rtl="0" eaLnBrk="0" fontAlgn="base" hangingPunct="0">
+              <a:spcBef>
+                <a:spcPct val="20000"/>
+              </a:spcBef>
+              <a:spcAft>
+                <a:spcPct val="0"/>
+              </a:spcAft>
+              <a:buFont typeface="Arial" panose="020B0604020202020204" pitchFamily="34" charset="0"/>
+              <a:buChar char="•"/>
+              <a:defRPr sz="3200" kern="1200">
+                <a:solidFill>
+                  <a:schemeClr val="tx1"/>
+                </a:solidFill>
+                <a:latin typeface="Arial" pitchFamily="34" charset="0"/>
+                <a:ea typeface="+mn-ea"/>
+                <a:cs typeface="Arial" pitchFamily="34" charset="0"/>
+              </a:defRPr>
+            </a:lvl1pPr>
+            <a:lvl2pPr marL="742950" indent="-285750" algn="l" rtl="0" eaLnBrk="0" fontAlgn="base" hangingPunct="0">
+              <a:spcBef>
+                <a:spcPct val="20000"/>
+              </a:spcBef>
+              <a:spcAft>
+                <a:spcPct val="0"/>
+              </a:spcAft>
+              <a:buFont typeface="Arial" panose="020B0604020202020204" pitchFamily="34" charset="0"/>
+              <a:buChar char="–"/>
+              <a:defRPr sz="2800" kern="1200">
+                <a:solidFill>
+                  <a:schemeClr val="tx1"/>
+                </a:solidFill>
+                <a:latin typeface="Arial" pitchFamily="34" charset="0"/>
+                <a:ea typeface="+mn-ea"/>
+                <a:cs typeface="Arial" pitchFamily="34" charset="0"/>
+              </a:defRPr>
+            </a:lvl2pPr>
+            <a:lvl3pPr marL="1143000" indent="-228600" algn="l" rtl="0" eaLnBrk="0" fontAlgn="base" hangingPunct="0">
+              <a:spcBef>
+                <a:spcPct val="20000"/>
+              </a:spcBef>
+              <a:spcAft>
+                <a:spcPct val="0"/>
+              </a:spcAft>
+              <a:buFont typeface="Arial" panose="020B0604020202020204" pitchFamily="34" charset="0"/>
+              <a:buChar char="•"/>
+              <a:defRPr sz="2400" kern="1200">
+                <a:solidFill>
+                  <a:schemeClr val="tx1"/>
+                </a:solidFill>
+                <a:latin typeface="Arial" pitchFamily="34" charset="0"/>
+                <a:ea typeface="+mn-ea"/>
+                <a:cs typeface="Arial" pitchFamily="34" charset="0"/>
+              </a:defRPr>
+            </a:lvl3pPr>
+            <a:lvl4pPr marL="1600200" indent="-228600" algn="l" rtl="0" eaLnBrk="0" fontAlgn="base" hangingPunct="0">
+              <a:spcBef>
+                <a:spcPct val="20000"/>
+              </a:spcBef>
+              <a:spcAft>
+                <a:spcPct val="0"/>
+              </a:spcAft>
+              <a:buFont typeface="Arial" panose="020B0604020202020204" pitchFamily="34" charset="0"/>
+              <a:buChar char="–"/>
+              <a:defRPr sz="2000" kern="1200">
+                <a:solidFill>
+                  <a:schemeClr val="tx1"/>
+                </a:solidFill>
+                <a:latin typeface="Arial" pitchFamily="34" charset="0"/>
+                <a:ea typeface="+mn-ea"/>
+                <a:cs typeface="Arial" pitchFamily="34" charset="0"/>
+              </a:defRPr>
+            </a:lvl4pPr>
+            <a:lvl5pPr marL="2057400" indent="-228600" algn="l" rtl="0" eaLnBrk="0" fontAlgn="base" hangingPunct="0">
+              <a:spcBef>
+                <a:spcPct val="20000"/>
+              </a:spcBef>
+              <a:spcAft>
+                <a:spcPct val="0"/>
+              </a:spcAft>
+              <a:buFont typeface="Arial" panose="020B0604020202020204" pitchFamily="34" charset="0"/>
+              <a:buChar char="»"/>
+              <a:defRPr sz="2000" kern="1200">
+                <a:solidFill>
+                  <a:schemeClr val="tx1"/>
+                </a:solidFill>
+                <a:latin typeface="Arial" pitchFamily="34" charset="0"/>
+                <a:ea typeface="+mn-ea"/>
+                <a:cs typeface="Arial" pitchFamily="34" charset="0"/>
+              </a:defRPr>
+            </a:lvl5pPr>
+            <a:lvl6pPr marL="2514600" indent="-228600" algn="l" defTabSz="914400" rtl="0" eaLnBrk="1" latinLnBrk="0" hangingPunct="1">
+              <a:spcBef>
+                <a:spcPct val="20000"/>
+              </a:spcBef>
+              <a:buFont typeface="Arial" pitchFamily="34" charset="0"/>
+              <a:buChar char="•"/>
+              <a:defRPr sz="2000" kern="1200">
+                <a:solidFill>
+                  <a:schemeClr val="tx1"/>
+                </a:solidFill>
+                <a:latin typeface="+mn-lt"/>
+                <a:ea typeface="+mn-ea"/>
+                <a:cs typeface="+mn-cs"/>
+              </a:defRPr>
+            </a:lvl6pPr>
+            <a:lvl7pPr marL="2971800" indent="-228600" algn="l" defTabSz="914400" rtl="0" eaLnBrk="1" latinLnBrk="0" hangingPunct="1">
+              <a:spcBef>
+                <a:spcPct val="20000"/>
+              </a:spcBef>
+              <a:buFont typeface="Arial" pitchFamily="34" charset="0"/>
+              <a:buChar char="•"/>
+              <a:defRPr sz="2000" kern="1200">
+                <a:solidFill>
+                  <a:schemeClr val="tx1"/>
+                </a:solidFill>
+                <a:latin typeface="+mn-lt"/>
+                <a:ea typeface="+mn-ea"/>
+                <a:cs typeface="+mn-cs"/>
+              </a:defRPr>
+            </a:lvl7pPr>
+            <a:lvl8pPr marL="3429000" indent="-228600" algn="l" defTabSz="914400" rtl="0" eaLnBrk="1" latinLnBrk="0" hangingPunct="1">
+              <a:spcBef>
+                <a:spcPct val="20000"/>
+              </a:spcBef>
+              <a:buFont typeface="Arial" pitchFamily="34" charset="0"/>
+              <a:buChar char="•"/>
+              <a:defRPr sz="2000" kern="1200">
+                <a:solidFill>
+                  <a:schemeClr val="tx1"/>
+                </a:solidFill>
+                <a:latin typeface="+mn-lt"/>
+                <a:ea typeface="+mn-ea"/>
+                <a:cs typeface="+mn-cs"/>
+              </a:defRPr>
+            </a:lvl8pPr>
+            <a:lvl9pPr marL="3886200" indent="-228600" algn="l" defTabSz="914400" rtl="0" eaLnBrk="1" latinLnBrk="0" hangingPunct="1">
+              <a:spcBef>
+                <a:spcPct val="20000"/>
+              </a:spcBef>
+              <a:buFont typeface="Arial" pitchFamily="34" charset="0"/>
+              <a:buChar char="•"/>
+              <a:defRPr sz="2000" kern="1200">
+                <a:solidFill>
+                  <a:schemeClr val="tx1"/>
+                </a:solidFill>
+                <a:latin typeface="+mn-lt"/>
+                <a:ea typeface="+mn-ea"/>
+                <a:cs typeface="+mn-cs"/>
+              </a:defRPr>
+            </a:lvl9pPr>
+          </a:lstStyle>
+          <a:p>
+            <a:pPr marL="0" indent="0" algn="r" eaLnBrk="1" fontAlgn="auto" hangingPunct="1">
+              <a:spcAft>
+                <a:spcPts val="0"/>
+              </a:spcAft>
+              <a:buNone/>
+              <a:defRPr/>
+            </a:pPr>
+            <a:r>
+              <a:rPr lang="es-CO" sz="2000" b="1">
+                <a:solidFill>
+                  <a:schemeClr val="tx1">
+                    <a:lumMod val="75000"/>
+                    <a:lumOff val="25000"/>
+                  </a:schemeClr>
+                </a:solidFill>
+              </a:rPr>
+              <a:t> 6065 SISTEMAS DE CONTROL II</a:t>
+            </a:r>
+          </a:p>
+        </p:txBody>
+      </p:sp>
+    </p:spTree>
+    <p:extLst>
+      <p:ext uri="{BB962C8B-B14F-4D97-AF65-F5344CB8AC3E}">
+        <p14:creationId xmlns:p14="http://schemas.microsoft.com/office/powerpoint/2010/main" val="394872494"/>
       </p:ext>
     </p:extLst>
   </p:cSld>
@@ -14738,8 +15695,8 @@
           <a:chExt cx="0" cy="0"/>
         </a:xfrm>
       </p:grpSpPr>
-      <mc:AlternateContent xmlns:mc="http://schemas.openxmlformats.org/markup-compatibility/2006">
-        <mc:Choice xmlns:a14="http://schemas.microsoft.com/office/drawing/2010/main" Requires="a14">
+      <mc:AlternateContent xmlns:mc="http://schemas.openxmlformats.org/markup-compatibility/2006" xmlns:a14="http://schemas.microsoft.com/office/drawing/2010/main">
+        <mc:Choice Requires="a14">
           <p:sp>
             <p:nvSpPr>
               <p:cNvPr id="4" name="Marcador de texto 3">
@@ -14911,7 +15868,9 @@
                             </m:dPr>
                             <m:e>
                               <m:r>
-                                <a:rPr lang="es-CO"/>
+                                <a:rPr lang="es-CO">
+                                  <a:latin typeface="Cambria Math" panose="02040503050406030204" pitchFamily="18" charset="0"/>
+                                </a:rPr>
                                 <m:t>​</m:t>
                               </m:r>
                             </m:e>
@@ -14976,7 +15935,7 @@
             </p:txBody>
           </p:sp>
         </mc:Choice>
-        <mc:Fallback>
+        <mc:Fallback xmlns="">
           <p:sp>
             <p:nvSpPr>
               <p:cNvPr id="4" name="Marcador de texto 3">
@@ -16214,8 +17173,8 @@
           </a:extLst>
         </p:spPr>
       </p:pic>
-      <mc:AlternateContent xmlns:mc="http://schemas.openxmlformats.org/markup-compatibility/2006">
-        <mc:Choice xmlns:a14="http://schemas.microsoft.com/office/drawing/2010/main" Requires="a14">
+      <mc:AlternateContent xmlns:mc="http://schemas.openxmlformats.org/markup-compatibility/2006" xmlns:a14="http://schemas.microsoft.com/office/drawing/2010/main">
+        <mc:Choice Requires="a14">
           <p:sp>
             <p:nvSpPr>
               <p:cNvPr id="3" name="CuadroTexto 2">
@@ -16394,7 +17353,7 @@
             </p:txBody>
           </p:sp>
         </mc:Choice>
-        <mc:Fallback>
+        <mc:Fallback xmlns="">
           <p:sp>
             <p:nvSpPr>
               <p:cNvPr id="3" name="CuadroTexto 2">
@@ -17130,8 +18089,8 @@
           </a:p>
         </p:txBody>
       </p:sp>
-      <mc:AlternateContent xmlns:mc="http://schemas.openxmlformats.org/markup-compatibility/2006">
-        <mc:Choice xmlns:a14="http://schemas.microsoft.com/office/drawing/2010/main" Requires="a14">
+      <mc:AlternateContent xmlns:mc="http://schemas.openxmlformats.org/markup-compatibility/2006" xmlns:a14="http://schemas.microsoft.com/office/drawing/2010/main">
+        <mc:Choice Requires="a14">
           <p:sp>
             <p:nvSpPr>
               <p:cNvPr id="3" name="CuadroTexto 2">
@@ -17310,7 +18269,7 @@
             </p:txBody>
           </p:sp>
         </mc:Choice>
-        <mc:Fallback>
+        <mc:Fallback xmlns="">
           <p:sp>
             <p:nvSpPr>
               <p:cNvPr id="3" name="CuadroTexto 2">
@@ -17355,8 +18314,8 @@
           </p:sp>
         </mc:Fallback>
       </mc:AlternateContent>
-      <mc:AlternateContent xmlns:mc="http://schemas.openxmlformats.org/markup-compatibility/2006">
-        <mc:Choice xmlns:a14="http://schemas.microsoft.com/office/drawing/2010/main" Requires="a14">
+      <mc:AlternateContent xmlns:mc="http://schemas.openxmlformats.org/markup-compatibility/2006" xmlns:a14="http://schemas.microsoft.com/office/drawing/2010/main">
+        <mc:Choice Requires="a14">
           <p:sp>
             <p:nvSpPr>
               <p:cNvPr id="6" name="CuadroTexto 5">
@@ -17468,7 +18427,7 @@
             </p:txBody>
           </p:sp>
         </mc:Choice>
-        <mc:Fallback>
+        <mc:Fallback xmlns="">
           <p:sp>
             <p:nvSpPr>
               <p:cNvPr id="6" name="CuadroTexto 5">
@@ -18204,8 +19163,8 @@
           </a:p>
         </p:txBody>
       </p:sp>
-      <mc:AlternateContent xmlns:mc="http://schemas.openxmlformats.org/markup-compatibility/2006">
-        <mc:Choice xmlns:a14="http://schemas.microsoft.com/office/drawing/2010/main" Requires="a14">
+      <mc:AlternateContent xmlns:mc="http://schemas.openxmlformats.org/markup-compatibility/2006" xmlns:a14="http://schemas.microsoft.com/office/drawing/2010/main">
+        <mc:Choice Requires="a14">
           <p:sp>
             <p:nvSpPr>
               <p:cNvPr id="3" name="CuadroTexto 2">
@@ -18362,13 +19321,7 @@
                                 <a:rPr lang="es-CO" sz="1800" b="0" i="1" smtClean="0">
                                   <a:latin typeface="Cambria Math" panose="02040503050406030204" pitchFamily="18" charset="0"/>
                                 </a:rPr>
-                                <m:t>𝑇</m:t>
-                              </m:r>
-                              <m:r>
-                                <a:rPr lang="es-CO" sz="1800" b="0" i="1" smtClean="0">
-                                  <a:latin typeface="Cambria Math" panose="02040503050406030204" pitchFamily="18" charset="0"/>
-                                </a:rPr>
-                                <m:t>𝑧</m:t>
+                                <m:t>𝑇𝑧</m:t>
                               </m:r>
                             </m:den>
                           </m:f>
@@ -18390,7 +19343,7 @@
             </p:txBody>
           </p:sp>
         </mc:Choice>
-        <mc:Fallback>
+        <mc:Fallback xmlns="">
           <p:sp>
             <p:nvSpPr>
               <p:cNvPr id="3" name="CuadroTexto 2">
@@ -19173,8 +20126,8 @@
           </a:p>
         </p:txBody>
       </p:sp>
-      <mc:AlternateContent xmlns:mc="http://schemas.openxmlformats.org/markup-compatibility/2006">
-        <mc:Choice xmlns:a14="http://schemas.microsoft.com/office/drawing/2010/main" Requires="a14">
+      <mc:AlternateContent xmlns:mc="http://schemas.openxmlformats.org/markup-compatibility/2006" xmlns:a14="http://schemas.microsoft.com/office/drawing/2010/main">
+        <mc:Choice Requires="a14">
           <p:sp>
             <p:nvSpPr>
               <p:cNvPr id="3" name="CuadroTexto 2">
@@ -19331,13 +20284,7 @@
                                 <a:rPr lang="es-CO" sz="1800" b="0" i="1" smtClean="0">
                                   <a:latin typeface="Cambria Math" panose="02040503050406030204" pitchFamily="18" charset="0"/>
                                 </a:rPr>
-                                <m:t>𝑇</m:t>
-                              </m:r>
-                              <m:r>
-                                <a:rPr lang="es-CO" sz="1800" b="0" i="1" smtClean="0">
-                                  <a:latin typeface="Cambria Math" panose="02040503050406030204" pitchFamily="18" charset="0"/>
-                                </a:rPr>
-                                <m:t>𝑧</m:t>
+                                <m:t>𝑇𝑧</m:t>
                               </m:r>
                             </m:den>
                           </m:f>
@@ -19359,7 +20306,7 @@
             </p:txBody>
           </p:sp>
         </mc:Choice>
-        <mc:Fallback>
+        <mc:Fallback xmlns="">
           <p:sp>
             <p:nvSpPr>
               <p:cNvPr id="3" name="CuadroTexto 2">
@@ -19404,8 +20351,8 @@
           </p:sp>
         </mc:Fallback>
       </mc:AlternateContent>
-      <mc:AlternateContent xmlns:mc="http://schemas.openxmlformats.org/markup-compatibility/2006">
-        <mc:Choice xmlns:a14="http://schemas.microsoft.com/office/drawing/2010/main" Requires="a14">
+      <mc:AlternateContent xmlns:mc="http://schemas.openxmlformats.org/markup-compatibility/2006" xmlns:a14="http://schemas.microsoft.com/office/drawing/2010/main">
+        <mc:Choice Requires="a14">
           <p:sp>
             <p:nvSpPr>
               <p:cNvPr id="6" name="CuadroTexto 5">
@@ -19517,7 +20464,7 @@
             </p:txBody>
           </p:sp>
         </mc:Choice>
-        <mc:Fallback>
+        <mc:Fallback xmlns="">
           <p:sp>
             <p:nvSpPr>
               <p:cNvPr id="6" name="CuadroTexto 5">
@@ -20211,8 +21158,8 @@
           </a:p>
         </p:txBody>
       </p:sp>
-      <mc:AlternateContent xmlns:mc="http://schemas.openxmlformats.org/markup-compatibility/2006">
-        <mc:Choice xmlns:a14="http://schemas.microsoft.com/office/drawing/2010/main" Requires="a14">
+      <mc:AlternateContent xmlns:mc="http://schemas.openxmlformats.org/markup-compatibility/2006" xmlns:a14="http://schemas.microsoft.com/office/drawing/2010/main">
+        <mc:Choice Requires="a14">
           <p:sp>
             <p:nvSpPr>
               <p:cNvPr id="3" name="CuadroTexto 2">
@@ -20428,7 +21375,7 @@
             </p:txBody>
           </p:sp>
         </mc:Choice>
-        <mc:Fallback>
+        <mc:Fallback xmlns="">
           <p:sp>
             <p:nvSpPr>
               <p:cNvPr id="3" name="CuadroTexto 2">
@@ -21378,15 +22325,6 @@
 </file>
 
 <file path=customXml/item1.xml><?xml version="1.0" encoding="utf-8"?>
-<?mso-contentType ?>
-<FormTemplates xmlns="http://schemas.microsoft.com/sharepoint/v3/contenttype/forms">
-  <Display>DocumentLibraryForm</Display>
-  <Edit>DocumentLibraryForm</Edit>
-  <New>DocumentLibraryForm</New>
-</FormTemplates>
-</file>
-
-<file path=customXml/item2.xml><?xml version="1.0" encoding="utf-8"?>
 <ct:contentTypeSchema xmlns:ct="http://schemas.microsoft.com/office/2006/metadata/contentType" xmlns:ma="http://schemas.microsoft.com/office/2006/metadata/properties/metaAttributes" ct:_="" ma:_="" ma:contentTypeName="Documento" ma:contentTypeID="0x0101007A62137D465CE64A8C883A4664514BF8" ma:contentTypeVersion="15" ma:contentTypeDescription="Crear nuevo documento." ma:contentTypeScope="" ma:versionID="a1bd1d59f691eb9bca6952b111268275">
   <xsd:schema xmlns:xsd="http://www.w3.org/2001/XMLSchema" xmlns:xs="http://www.w3.org/2001/XMLSchema" xmlns:p="http://schemas.microsoft.com/office/2006/metadata/properties" xmlns:ns3="669280c1-d17e-4d1d-bd7f-b4f14cc6bf1d" xmlns:ns4="bdc56f61-abc0-4f7e-bfec-a93ccd1ae886" targetNamespace="http://schemas.microsoft.com/office/2006/metadata/properties" ma:root="true" ma:fieldsID="d02990a02f19f0f9fc7b999b1809cae4" ns3:_="" ns4:_="">
     <xsd:import namespace="669280c1-d17e-4d1d-bd7f-b4f14cc6bf1d"/>
@@ -21621,6 +22559,15 @@
 </ct:contentTypeSchema>
 </file>
 
+<file path=customXml/item2.xml><?xml version="1.0" encoding="utf-8"?>
+<?mso-contentType ?>
+<FormTemplates xmlns="http://schemas.microsoft.com/sharepoint/v3/contenttype/forms">
+  <Display>DocumentLibraryForm</Display>
+  <Edit>DocumentLibraryForm</Edit>
+  <New>DocumentLibraryForm</New>
+</FormTemplates>
+</file>
+
 <file path=customXml/item3.xml><?xml version="1.0" encoding="utf-8"?>
 <p:properties xmlns:p="http://schemas.microsoft.com/office/2006/metadata/properties" xmlns:xsi="http://www.w3.org/2001/XMLSchema-instance" xmlns:pc="http://schemas.microsoft.com/office/infopath/2007/PartnerControls">
   <documentManagement>
@@ -21630,14 +22577,6 @@
 </file>
 
 <file path=customXml/itemProps1.xml><?xml version="1.0" encoding="utf-8"?>
-<ds:datastoreItem xmlns:ds="http://schemas.openxmlformats.org/officeDocument/2006/customXml" ds:itemID="{4E8623C8-32E1-48B0-9F0A-13F2E9582B7E}">
-  <ds:schemaRefs>
-    <ds:schemaRef ds:uri="http://schemas.microsoft.com/sharepoint/v3/contenttype/forms"/>
-  </ds:schemaRefs>
-</ds:datastoreItem>
-</file>
-
-<file path=customXml/itemProps2.xml><?xml version="1.0" encoding="utf-8"?>
 <ds:datastoreItem xmlns:ds="http://schemas.openxmlformats.org/officeDocument/2006/customXml" ds:itemID="{025820C3-FD82-4EFC-BF14-EAF1F9613F52}">
   <ds:schemaRefs>
     <ds:schemaRef ds:uri="669280c1-d17e-4d1d-bd7f-b4f14cc6bf1d"/>
@@ -21652,6 +22591,14 @@
     <ds:schemaRef ds:uri="http://schemas.microsoft.com/office/infopath/2007/PartnerControls"/>
     <ds:schemaRef ds:uri="http://schemas.openxmlformats.org/package/2006/metadata/core-properties"/>
     <ds:schemaRef ds:uri="http://www.w3.org/2001/XMLSchema"/>
+  </ds:schemaRefs>
+</ds:datastoreItem>
+</file>
+
+<file path=customXml/itemProps2.xml><?xml version="1.0" encoding="utf-8"?>
+<ds:datastoreItem xmlns:ds="http://schemas.openxmlformats.org/officeDocument/2006/customXml" ds:itemID="{4E8623C8-32E1-48B0-9F0A-13F2E9582B7E}">
+  <ds:schemaRefs>
+    <ds:schemaRef ds:uri="http://schemas.microsoft.com/sharepoint/v3/contenttype/forms"/>
   </ds:schemaRefs>
 </ds:datastoreItem>
 </file>
